--- a/Mod13_Pyspark_and_Hadoop/Modulo 14 Data Storytelling_ejercicio1.pptx
+++ b/Mod13_Pyspark_and_Hadoop/Modulo 14 Data Storytelling_ejercicio1.pptx
@@ -6,7 +6,7 @@
     <p:sldMasterId id="2147483654" r:id="rId2"/>
   </p:sldMasterIdLst>
   <p:notesMasterIdLst>
-    <p:notesMasterId r:id="rId10"/>
+    <p:notesMasterId r:id="rId9"/>
   </p:notesMasterIdLst>
   <p:sldIdLst>
     <p:sldId id="256" r:id="rId3"/>
@@ -15,7 +15,6 @@
     <p:sldId id="566" r:id="rId6"/>
     <p:sldId id="567" r:id="rId7"/>
     <p:sldId id="569" r:id="rId8"/>
-    <p:sldId id="568" r:id="rId9"/>
   </p:sldIdLst>
   <p:sldSz cx="12192000" cy="6858000"/>
   <p:notesSz cx="6858000" cy="9144000"/>
@@ -264,7 +263,7 @@
       </p15:sldGuideLst>
     </p:ext>
     <p:ext uri="GoogleSlidesCustomDataVersion2">
-      <go:slidesCustomData xmlns="" xmlns:mc="http://schemas.openxmlformats.org/markup-compatibility/2006" xmlns:mv="urn:schemas-microsoft-com:mac:vml" xmlns:c="http://schemas.openxmlformats.org/drawingml/2006/chart" xmlns:dgm="http://schemas.openxmlformats.org/drawingml/2006/diagram" xmlns:o="urn:schemas-microsoft-com:office:office" xmlns:v="urn:schemas-microsoft-com:vml" xmlns:pvml="urn:schemas-microsoft-com:office:powerpoint" xmlns:com="http://schemas.openxmlformats.org/drawingml/2006/compatibility" xmlns:p14="http://schemas.microsoft.com/office/powerpoint/2010/main" xmlns:p15="http://schemas.microsoft.com/office/powerpoint/2012/main" xmlns:ahyp="http://schemas.microsoft.com/office/drawing/2018/hyperlinkcolor" xmlns:go="http://customooxmlschemas.google.com/" r:id="rId13" roundtripDataSignature="AMtx7mgHnMHIZxhnZr2j+tVR2DpQdbinhg=="/>
+      <go:slidesCustomData xmlns:go="http://customooxmlschemas.google.com/" xmlns:ahyp="http://schemas.microsoft.com/office/drawing/2018/hyperlinkcolor" xmlns:p15="http://schemas.microsoft.com/office/powerpoint/2012/main" xmlns:p14="http://schemas.microsoft.com/office/powerpoint/2010/main" xmlns:com="http://schemas.openxmlformats.org/drawingml/2006/compatibility" xmlns:pvml="urn:schemas-microsoft-com:office:powerpoint" xmlns:v="urn:schemas-microsoft-com:vml" xmlns:o="urn:schemas-microsoft-com:office:office" xmlns:dgm="http://schemas.openxmlformats.org/drawingml/2006/diagram" xmlns:c="http://schemas.openxmlformats.org/drawingml/2006/chart" xmlns:mv="urn:schemas-microsoft-com:mac:vml" xmlns:mc="http://schemas.openxmlformats.org/markup-compatibility/2006" xmlns="" r:id="rId13" roundtripDataSignature="AMtx7mgHnMHIZxhnZr2j+tVR2DpQdbinhg=="/>
     </p:ext>
   </p:extLst>
 </p:presentation>
@@ -2317,165 +2316,6 @@
     <p:extLst>
       <p:ext uri="{BB962C8B-B14F-4D97-AF65-F5344CB8AC3E}">
         <p14:creationId xmlns:p14="http://schemas.microsoft.com/office/powerpoint/2010/main" val="3079802479"/>
-      </p:ext>
-    </p:extLst>
-  </p:cSld>
-  <p:clrMapOvr>
-    <a:masterClrMapping/>
-  </p:clrMapOvr>
-</p:notes>
-</file>
-
-<file path=ppt/notesSlides/notesSlide7.xml><?xml version="1.0" encoding="utf-8"?>
-<p:notes xmlns:a="http://schemas.openxmlformats.org/drawingml/2006/main" xmlns:r="http://schemas.openxmlformats.org/officeDocument/2006/relationships" xmlns:p="http://schemas.openxmlformats.org/presentationml/2006/main">
-  <p:cSld>
-    <p:spTree>
-      <p:nvGrpSpPr>
-        <p:cNvPr id="1" name=""/>
-        <p:cNvGrpSpPr/>
-        <p:nvPr/>
-      </p:nvGrpSpPr>
-      <p:grpSpPr>
-        <a:xfrm>
-          <a:off x="0" y="0"/>
-          <a:ext cx="0" cy="0"/>
-          <a:chOff x="0" y="0"/>
-          <a:chExt cx="0" cy="0"/>
-        </a:xfrm>
-      </p:grpSpPr>
-      <p:sp>
-        <p:nvSpPr>
-          <p:cNvPr id="845825" name="Slide Image Placeholder 1"/>
-          <p:cNvSpPr>
-            <a:spLocks noGrp="1" noRot="1" noChangeAspect="1"/>
-          </p:cNvSpPr>
-          <p:nvPr>
-            <p:ph type="sldImg"/>
-          </p:nvPr>
-        </p:nvSpPr>
-        <p:spPr bwMode="auto">
-          <a:noFill/>
-          <a:ln>
-            <a:solidFill>
-              <a:srgbClr val="000000"/>
-            </a:solidFill>
-            <a:miter lim="800000"/>
-            <a:headEnd/>
-            <a:tailEnd/>
-          </a:ln>
-        </p:spPr>
-      </p:sp>
-      <p:sp>
-        <p:nvSpPr>
-          <p:cNvPr id="845826" name="Notes Placeholder 2"/>
-          <p:cNvSpPr>
-            <a:spLocks noGrp="1"/>
-          </p:cNvSpPr>
-          <p:nvPr>
-            <p:ph type="body" idx="1"/>
-          </p:nvPr>
-        </p:nvSpPr>
-        <p:spPr>
-          <a:noFill/>
-          <a:ln/>
-        </p:spPr>
-        <p:txBody>
-          <a:bodyPr/>
-          <a:lstStyle/>
-          <a:p>
-            <a:endParaRPr lang="en-US"/>
-          </a:p>
-        </p:txBody>
-      </p:sp>
-      <p:sp>
-        <p:nvSpPr>
-          <p:cNvPr id="845827" name="Slide Number Placeholder 3"/>
-          <p:cNvSpPr>
-            <a:spLocks noGrp="1"/>
-          </p:cNvSpPr>
-          <p:nvPr>
-            <p:ph type="sldNum" sz="quarter" idx="5"/>
-          </p:nvPr>
-        </p:nvSpPr>
-        <p:spPr>
-          <a:noFill/>
-        </p:spPr>
-        <p:txBody>
-          <a:bodyPr/>
-          <a:lstStyle/>
-          <a:p>
-            <a:pPr marL="0" marR="0" lvl="0" indent="0" algn="r" defTabSz="914400" rtl="0" eaLnBrk="1" fontAlgn="auto" latinLnBrk="0" hangingPunct="1">
-              <a:lnSpc>
-                <a:spcPct val="100000"/>
-              </a:lnSpc>
-              <a:spcBef>
-                <a:spcPts val="0"/>
-              </a:spcBef>
-              <a:spcAft>
-                <a:spcPts val="0"/>
-              </a:spcAft>
-              <a:buClrTx/>
-              <a:buSzTx/>
-              <a:buFontTx/>
-              <a:buNone/>
-              <a:tabLst/>
-              <a:defRPr/>
-            </a:pPr>
-            <a:fld id="{A559B68C-5915-4D23-A2C6-5B96549FD7A0}" type="slidenum">
-              <a:rPr kumimoji="0" lang="en-US" sz="1300" b="0" i="0" u="none" strike="noStrike" kern="1200" cap="none" spc="0" normalizeH="0" baseline="0" noProof="0" smtClean="0">
-                <a:ln>
-                  <a:noFill/>
-                </a:ln>
-                <a:solidFill>
-                  <a:prstClr val="black"/>
-                </a:solidFill>
-                <a:effectLst/>
-                <a:uLnTx/>
-                <a:uFillTx/>
-                <a:latin typeface="Calibri"/>
-                <a:ea typeface="+mn-ea"/>
-                <a:cs typeface="+mn-cs"/>
-              </a:rPr>
-              <a:pPr marL="0" marR="0" lvl="0" indent="0" algn="r" defTabSz="914400" rtl="0" eaLnBrk="1" fontAlgn="auto" latinLnBrk="0" hangingPunct="1">
-                <a:lnSpc>
-                  <a:spcPct val="100000"/>
-                </a:lnSpc>
-                <a:spcBef>
-                  <a:spcPts val="0"/>
-                </a:spcBef>
-                <a:spcAft>
-                  <a:spcPts val="0"/>
-                </a:spcAft>
-                <a:buClrTx/>
-                <a:buSzTx/>
-                <a:buFontTx/>
-                <a:buNone/>
-                <a:tabLst/>
-                <a:defRPr/>
-              </a:pPr>
-              <a:t>7</a:t>
-            </a:fld>
-            <a:endParaRPr kumimoji="0" lang="en-US" sz="1300" b="0" i="0" u="none" strike="noStrike" kern="1200" cap="none" spc="0" normalizeH="0" baseline="0" noProof="0">
-              <a:ln>
-                <a:noFill/>
-              </a:ln>
-              <a:solidFill>
-                <a:prstClr val="black"/>
-              </a:solidFill>
-              <a:effectLst/>
-              <a:uLnTx/>
-              <a:uFillTx/>
-              <a:latin typeface="Calibri"/>
-              <a:ea typeface="+mn-ea"/>
-              <a:cs typeface="+mn-cs"/>
-            </a:endParaRPr>
-          </a:p>
-        </p:txBody>
-      </p:sp>
-    </p:spTree>
-    <p:extLst>
-      <p:ext uri="{BB962C8B-B14F-4D97-AF65-F5344CB8AC3E}">
-        <p14:creationId xmlns:p14="http://schemas.microsoft.com/office/powerpoint/2010/main" val="437330370"/>
       </p:ext>
     </p:extLst>
   </p:cSld>
@@ -18225,1110 +18065,6 @@
 </p:sld>
 </file>
 
-<file path=ppt/slides/slide7.xml><?xml version="1.0" encoding="utf-8"?>
-<p:sld xmlns:a="http://schemas.openxmlformats.org/drawingml/2006/main" xmlns:r="http://schemas.openxmlformats.org/officeDocument/2006/relationships" xmlns:p="http://schemas.openxmlformats.org/presentationml/2006/main">
-  <p:cSld>
-    <p:spTree>
-      <p:nvGrpSpPr>
-        <p:cNvPr id="1" name=""/>
-        <p:cNvGrpSpPr/>
-        <p:nvPr/>
-      </p:nvGrpSpPr>
-      <p:grpSpPr>
-        <a:xfrm>
-          <a:off x="0" y="0"/>
-          <a:ext cx="0" cy="0"/>
-          <a:chOff x="0" y="0"/>
-          <a:chExt cx="0" cy="0"/>
-        </a:xfrm>
-      </p:grpSpPr>
-      <p:sp>
-        <p:nvSpPr>
-          <p:cNvPr id="371719" name="Title 1"/>
-          <p:cNvSpPr>
-            <a:spLocks noGrp="1"/>
-          </p:cNvSpPr>
-          <p:nvPr>
-            <p:ph type="title"/>
-          </p:nvPr>
-        </p:nvSpPr>
-        <p:spPr/>
-        <p:txBody>
-          <a:bodyPr/>
-          <a:lstStyle/>
-          <a:p>
-            <a:pPr>
-              <a:spcBef>
-                <a:spcPts val="0"/>
-              </a:spcBef>
-            </a:pPr>
-            <a:r>
-              <a:rPr lang="es-MX" dirty="0">
-                <a:latin typeface="+mn-lt"/>
-              </a:rPr>
-              <a:t>4. ¿Cuáles son las principales características que te llamaron la atención sobre el expositor?</a:t>
-            </a:r>
-            <a:br>
-              <a:rPr lang="es-MX" dirty="0">
-                <a:latin typeface="+mn-lt"/>
-              </a:rPr>
-            </a:br>
-            <a:br>
-              <a:rPr lang="es-MX" dirty="0">
-                <a:solidFill>
-                  <a:srgbClr val="373A3C"/>
-                </a:solidFill>
-                <a:latin typeface="+mn-lt"/>
-                <a:cs typeface="Arial"/>
-              </a:rPr>
-            </a:br>
-            <a:br>
-              <a:rPr lang="es-MX" dirty="0">
-                <a:latin typeface="+mn-lt"/>
-              </a:rPr>
-            </a:br>
-            <a:br>
-              <a:rPr lang="es-MX" dirty="0">
-                <a:latin typeface="+mn-lt"/>
-              </a:rPr>
-            </a:br>
-            <a:br>
-              <a:rPr lang="es-MX" dirty="0">
-                <a:latin typeface="+mn-lt"/>
-              </a:rPr>
-            </a:br>
-            <a:br>
-              <a:rPr lang="es-MX" dirty="0">
-                <a:latin typeface="+mn-lt"/>
-              </a:rPr>
-            </a:br>
-            <a:br>
-              <a:rPr lang="es-MX" dirty="0">
-                <a:latin typeface="+mn-lt"/>
-              </a:rPr>
-            </a:br>
-            <a:r>
-              <a:rPr lang="es-MX" altLang="ja-JP" dirty="0"/>
-              <a:t> </a:t>
-            </a:r>
-            <a:endParaRPr lang="es-MX" dirty="0">
-              <a:solidFill>
-                <a:srgbClr val="575757"/>
-              </a:solidFill>
-            </a:endParaRPr>
-          </a:p>
-        </p:txBody>
-      </p:sp>
-      <p:sp>
-        <p:nvSpPr>
-          <p:cNvPr id="3" name="Slide Number Placeholder 2"/>
-          <p:cNvSpPr>
-            <a:spLocks noGrp="1"/>
-          </p:cNvSpPr>
-          <p:nvPr>
-            <p:ph type="sldNum" sz="quarter" idx="4"/>
-          </p:nvPr>
-        </p:nvSpPr>
-        <p:spPr/>
-        <p:txBody>
-          <a:bodyPr/>
-          <a:lstStyle/>
-          <a:p>
-            <a:pPr>
-              <a:buClrTx/>
-            </a:pPr>
-            <a:fld id="{95CC1D26-A9BD-4BDE-BDD9-08EDBAE96860}" type="slidenum">
-              <a:rPr lang="en-GB" kern="1200">
-                <a:ea typeface="+mn-ea"/>
-                <a:cs typeface="+mn-cs"/>
-              </a:rPr>
-              <a:pPr>
-                <a:buClrTx/>
-              </a:pPr>
-              <a:t>7</a:t>
-            </a:fld>
-            <a:endParaRPr lang="en-GB" kern="1200" dirty="0">
-              <a:ea typeface="+mn-ea"/>
-              <a:cs typeface="+mn-cs"/>
-            </a:endParaRPr>
-          </a:p>
-        </p:txBody>
-      </p:sp>
-      <p:graphicFrame>
-        <p:nvGraphicFramePr>
-          <p:cNvPr id="371718" name="Rectangle 6" hidden="1"/>
-          <p:cNvGraphicFramePr>
-            <a:graphicFrameLocks/>
-          </p:cNvGraphicFramePr>
-          <p:nvPr>
-            <p:custDataLst>
-              <p:tags r:id="rId1"/>
-            </p:custDataLst>
-          </p:nvPr>
-        </p:nvGraphicFramePr>
-        <p:xfrm>
-          <a:off x="1524000" y="0"/>
-          <a:ext cx="146050" cy="158750"/>
-        </p:xfrm>
-        <a:graphic>
-          <a:graphicData uri="http://schemas.openxmlformats.org/presentationml/2006/ole">
-            <mc:AlternateContent xmlns:mc="http://schemas.openxmlformats.org/markup-compatibility/2006">
-              <mc:Choice xmlns:v="urn:schemas-microsoft-com:vml" Requires="v">
-                <p:oleObj name="think-cell Slide" r:id="rId4" imgW="0" imgH="0" progId="TCLayout.ActiveDocument.1">
-                  <p:embed/>
-                </p:oleObj>
-              </mc:Choice>
-              <mc:Fallback>
-                <p:oleObj name="think-cell Slide" r:id="rId4" imgW="0" imgH="0" progId="TCLayout.ActiveDocument.1">
-                  <p:embed/>
-                  <p:pic>
-                    <p:nvPicPr>
-                      <p:cNvPr id="371718" name="Rectangle 6" hidden="1"/>
-                      <p:cNvPicPr>
-                        <a:picLocks noChangeArrowheads="1"/>
-                      </p:cNvPicPr>
-                      <p:nvPr/>
-                    </p:nvPicPr>
-                    <p:blipFill>
-                      <a:blip>
-                        <a:extLst>
-                          <a:ext uri="{28A0092B-C50C-407E-A947-70E740481C1C}">
-                            <a14:useLocalDpi xmlns:a14="http://schemas.microsoft.com/office/drawing/2010/main" val="0"/>
-                          </a:ext>
-                        </a:extLst>
-                      </a:blip>
-                      <a:srcRect/>
-                      <a:stretch>
-                        <a:fillRect/>
-                      </a:stretch>
-                    </p:blipFill>
-                    <p:spPr bwMode="auto">
-                      <a:xfrm>
-                        <a:off x="1524000" y="0"/>
-                        <a:ext cx="146050" cy="158750"/>
-                      </a:xfrm>
-                      <a:prstGeom prst="rect">
-                        <a:avLst/>
-                      </a:prstGeom>
-                      <a:noFill/>
-                      <a:extLst>
-                        <a:ext uri="{909E8E84-426E-40DD-AFC4-6F175D3DCCD1}">
-                          <a14:hiddenFill xmlns:a14="http://schemas.microsoft.com/office/drawing/2010/main">
-                            <a:solidFill>
-                              <a:srgbClr val="FFFFFF"/>
-                            </a:solidFill>
-                          </a14:hiddenFill>
-                        </a:ext>
-                      </a:extLst>
-                    </p:spPr>
-                  </p:pic>
-                </p:oleObj>
-              </mc:Fallback>
-            </mc:AlternateContent>
-          </a:graphicData>
-        </a:graphic>
-      </p:graphicFrame>
-      <p:sp>
-        <p:nvSpPr>
-          <p:cNvPr id="2" name="CuadroTexto 1">
-            <a:extLst>
-              <a:ext uri="{FF2B5EF4-FFF2-40B4-BE49-F238E27FC236}">
-                <a16:creationId xmlns:a16="http://schemas.microsoft.com/office/drawing/2014/main" id="{6C021F82-D5BA-0912-1473-7A18A0A0A7F3}"/>
-              </a:ext>
-            </a:extLst>
-          </p:cNvPr>
-          <p:cNvSpPr txBox="1"/>
-          <p:nvPr/>
-        </p:nvSpPr>
-        <p:spPr>
-          <a:xfrm>
-            <a:off x="3048000" y="2077157"/>
-            <a:ext cx="6096000" cy="2246769"/>
-          </a:xfrm>
-          <a:prstGeom prst="rect">
-            <a:avLst/>
-          </a:prstGeom>
-          <a:noFill/>
-        </p:spPr>
-        <p:txBody>
-          <a:bodyPr wrap="square">
-            <a:spAutoFit/>
-          </a:bodyPr>
-          <a:lstStyle/>
-          <a:p>
-            <a:pPr marL="285750" indent="-285750">
-              <a:spcBef>
-                <a:spcPts val="0"/>
-              </a:spcBef>
-              <a:buFont typeface="Wingdings" panose="05000000000000000000" pitchFamily="2" charset="2"/>
-              <a:buChar char="ü"/>
-            </a:pPr>
-            <a:r>
-              <a:rPr lang="es-ES" sz="2000" dirty="0">
-                <a:solidFill>
-                  <a:srgbClr val="373A3C"/>
-                </a:solidFill>
-                <a:latin typeface="+mn-lt"/>
-                <a:cs typeface="Arial"/>
-              </a:rPr>
-              <a:t>Excelente manejo de audi</a:t>
-            </a:r>
-            <a:r>
-              <a:rPr lang="es-ES" sz="2000" dirty="0">
-                <a:solidFill>
-                  <a:srgbClr val="373A3C"/>
-                </a:solidFill>
-                <a:latin typeface="+mn-lt"/>
-              </a:rPr>
-              <a:t>encia</a:t>
-            </a:r>
-          </a:p>
-          <a:p>
-            <a:pPr marL="285750" indent="-285750">
-              <a:spcBef>
-                <a:spcPts val="0"/>
-              </a:spcBef>
-              <a:buFont typeface="Wingdings" panose="05000000000000000000" pitchFamily="2" charset="2"/>
-              <a:buChar char="ü"/>
-            </a:pPr>
-            <a:endParaRPr lang="es-ES" sz="2000" dirty="0">
-              <a:solidFill>
-                <a:srgbClr val="373A3C"/>
-              </a:solidFill>
-              <a:latin typeface="+mn-lt"/>
-              <a:cs typeface="Arial"/>
-            </a:endParaRPr>
-          </a:p>
-          <a:p>
-            <a:pPr marL="285750" indent="-285750">
-              <a:spcBef>
-                <a:spcPts val="0"/>
-              </a:spcBef>
-              <a:buFont typeface="Wingdings" panose="05000000000000000000" pitchFamily="2" charset="2"/>
-              <a:buChar char="ü"/>
-            </a:pPr>
-            <a:r>
-              <a:rPr lang="es-ES" sz="2000" dirty="0">
-                <a:solidFill>
-                  <a:srgbClr val="373A3C"/>
-                </a:solidFill>
-                <a:latin typeface="+mn-lt"/>
-              </a:rPr>
-              <a:t>Uso adecuado de pausas y discurso continuo</a:t>
-            </a:r>
-          </a:p>
-          <a:p>
-            <a:pPr marL="285750" indent="-285750">
-              <a:spcBef>
-                <a:spcPts val="0"/>
-              </a:spcBef>
-              <a:buFont typeface="Wingdings" panose="05000000000000000000" pitchFamily="2" charset="2"/>
-              <a:buChar char="ü"/>
-            </a:pPr>
-            <a:endParaRPr lang="es-ES" sz="2000" dirty="0">
-              <a:solidFill>
-                <a:srgbClr val="373A3C"/>
-              </a:solidFill>
-              <a:latin typeface="+mn-lt"/>
-            </a:endParaRPr>
-          </a:p>
-          <a:p>
-            <a:pPr marL="285750" indent="-285750">
-              <a:spcBef>
-                <a:spcPts val="0"/>
-              </a:spcBef>
-              <a:buFont typeface="Wingdings" panose="05000000000000000000" pitchFamily="2" charset="2"/>
-              <a:buChar char="ü"/>
-            </a:pPr>
-            <a:r>
-              <a:rPr lang="es-ES" sz="2000" dirty="0">
-                <a:solidFill>
-                  <a:srgbClr val="373A3C"/>
-                </a:solidFill>
-                <a:latin typeface="+mn-lt"/>
-              </a:rPr>
-              <a:t>Forma excepcional de contar historias </a:t>
-            </a:r>
-          </a:p>
-          <a:p>
-            <a:pPr marL="285750" indent="-285750">
-              <a:spcBef>
-                <a:spcPts val="0"/>
-              </a:spcBef>
-              <a:buFont typeface="Wingdings" panose="05000000000000000000" pitchFamily="2" charset="2"/>
-              <a:buChar char="ü"/>
-            </a:pPr>
-            <a:endParaRPr lang="es-ES" sz="2000" dirty="0">
-              <a:solidFill>
-                <a:srgbClr val="373A3C"/>
-              </a:solidFill>
-              <a:latin typeface="+mn-lt"/>
-            </a:endParaRPr>
-          </a:p>
-          <a:p>
-            <a:pPr marL="285750" indent="-285750">
-              <a:spcBef>
-                <a:spcPts val="0"/>
-              </a:spcBef>
-              <a:buFont typeface="Wingdings" panose="05000000000000000000" pitchFamily="2" charset="2"/>
-              <a:buChar char="ü"/>
-            </a:pPr>
-            <a:r>
-              <a:rPr lang="es-ES" sz="2000" dirty="0">
-                <a:solidFill>
-                  <a:srgbClr val="373A3C"/>
-                </a:solidFill>
-                <a:latin typeface="+mn-lt"/>
-              </a:rPr>
-              <a:t>Total claridad al expresar sus ides </a:t>
-            </a:r>
-          </a:p>
-        </p:txBody>
-      </p:sp>
-      <p:pic>
-        <p:nvPicPr>
-          <p:cNvPr id="4" name="Picture 2" descr="teams Icon 41477">
-            <a:extLst>
-              <a:ext uri="{FF2B5EF4-FFF2-40B4-BE49-F238E27FC236}">
-                <a16:creationId xmlns:a16="http://schemas.microsoft.com/office/drawing/2014/main" id="{233AD919-1D00-6422-D5F0-C3CF1B25E0C9}"/>
-              </a:ext>
-            </a:extLst>
-          </p:cNvPr>
-          <p:cNvPicPr>
-            <a:picLocks noChangeAspect="1" noChangeArrowheads="1"/>
-          </p:cNvPicPr>
-          <p:nvPr/>
-        </p:nvPicPr>
-        <p:blipFill rotWithShape="1">
-          <a:blip r:embed="rId5">
-            <a:extLst>
-              <a:ext uri="{28A0092B-C50C-407E-A947-70E740481C1C}">
-                <a14:useLocalDpi xmlns:a14="http://schemas.microsoft.com/office/drawing/2010/main" val="0"/>
-              </a:ext>
-            </a:extLst>
-          </a:blip>
-          <a:srcRect l="21407" t="34223" r="18297" b="32296"/>
-          <a:stretch/>
-        </p:blipFill>
-        <p:spPr bwMode="auto">
-          <a:xfrm>
-            <a:off x="2310660" y="4532352"/>
-            <a:ext cx="2567585" cy="1425735"/>
-          </a:xfrm>
-          <a:prstGeom prst="rect">
-            <a:avLst/>
-          </a:prstGeom>
-          <a:noFill/>
-          <a:extLst>
-            <a:ext uri="{909E8E84-426E-40DD-AFC4-6F175D3DCCD1}">
-              <a14:hiddenFill xmlns:a14="http://schemas.microsoft.com/office/drawing/2010/main">
-                <a:solidFill>
-                  <a:srgbClr val="FFFFFF"/>
-                </a:solidFill>
-              </a14:hiddenFill>
-            </a:ext>
-          </a:extLst>
-        </p:spPr>
-      </p:pic>
-      <p:pic>
-        <p:nvPicPr>
-          <p:cNvPr id="5" name="Gráfico 4" descr="Cerebro">
-            <a:extLst>
-              <a:ext uri="{FF2B5EF4-FFF2-40B4-BE49-F238E27FC236}">
-                <a16:creationId xmlns:a16="http://schemas.microsoft.com/office/drawing/2014/main" id="{22124C01-12A7-B0E8-2135-FE87EACBD83D}"/>
-              </a:ext>
-            </a:extLst>
-          </p:cNvPr>
-          <p:cNvPicPr>
-            <a:picLocks noChangeAspect="1"/>
-          </p:cNvPicPr>
-          <p:nvPr/>
-        </p:nvPicPr>
-        <p:blipFill>
-          <a:blip r:embed="rId6">
-            <a:extLst>
-              <a:ext uri="{96DAC541-7B7A-43D3-8B79-37D633B846F1}">
-                <asvg:svgBlip xmlns:asvg="http://schemas.microsoft.com/office/drawing/2016/SVG/main" r:embed="rId7"/>
-              </a:ext>
-            </a:extLst>
-          </a:blip>
-          <a:stretch>
-            <a:fillRect/>
-          </a:stretch>
-        </p:blipFill>
-        <p:spPr>
-          <a:xfrm>
-            <a:off x="5846747" y="4808641"/>
-            <a:ext cx="517061" cy="517061"/>
-          </a:xfrm>
-          <a:prstGeom prst="rect">
-            <a:avLst/>
-          </a:prstGeom>
-        </p:spPr>
-      </p:pic>
-      <p:pic>
-        <p:nvPicPr>
-          <p:cNvPr id="6" name="Gráfico 5" descr="Aguja">
-            <a:extLst>
-              <a:ext uri="{FF2B5EF4-FFF2-40B4-BE49-F238E27FC236}">
-                <a16:creationId xmlns:a16="http://schemas.microsoft.com/office/drawing/2014/main" id="{A037A78C-24A9-A480-DACD-87AF17A048C8}"/>
-              </a:ext>
-            </a:extLst>
-          </p:cNvPr>
-          <p:cNvPicPr>
-            <a:picLocks noChangeAspect="1"/>
-          </p:cNvPicPr>
-          <p:nvPr/>
-        </p:nvPicPr>
-        <p:blipFill>
-          <a:blip r:embed="rId8">
-            <a:extLst>
-              <a:ext uri="{96DAC541-7B7A-43D3-8B79-37D633B846F1}">
-                <asvg:svgBlip xmlns:asvg="http://schemas.microsoft.com/office/drawing/2016/SVG/main" r:embed="rId9"/>
-              </a:ext>
-            </a:extLst>
-          </a:blip>
-          <a:stretch>
-            <a:fillRect/>
-          </a:stretch>
-        </p:blipFill>
-        <p:spPr>
-          <a:xfrm>
-            <a:off x="5830979" y="5839068"/>
-            <a:ext cx="568767" cy="568767"/>
-          </a:xfrm>
-          <a:prstGeom prst="rect">
-            <a:avLst/>
-          </a:prstGeom>
-        </p:spPr>
-      </p:pic>
-      <p:pic>
-        <p:nvPicPr>
-          <p:cNvPr id="7" name="Picture 2" descr="gear icon">
-            <a:extLst>
-              <a:ext uri="{FF2B5EF4-FFF2-40B4-BE49-F238E27FC236}">
-                <a16:creationId xmlns:a16="http://schemas.microsoft.com/office/drawing/2014/main" id="{5CF0BB8D-0A91-04A8-BDC2-0A0AC82B0794}"/>
-              </a:ext>
-            </a:extLst>
-          </p:cNvPr>
-          <p:cNvPicPr>
-            <a:picLocks noChangeAspect="1" noChangeArrowheads="1"/>
-          </p:cNvPicPr>
-          <p:nvPr/>
-        </p:nvPicPr>
-        <p:blipFill>
-          <a:blip r:embed="rId10">
-            <a:extLst>
-              <a:ext uri="{28A0092B-C50C-407E-A947-70E740481C1C}">
-                <a14:useLocalDpi xmlns:a14="http://schemas.microsoft.com/office/drawing/2010/main" val="0"/>
-              </a:ext>
-            </a:extLst>
-          </a:blip>
-          <a:srcRect/>
-          <a:stretch>
-            <a:fillRect/>
-          </a:stretch>
-        </p:blipFill>
-        <p:spPr bwMode="auto">
-          <a:xfrm>
-            <a:off x="9252386" y="2049777"/>
-            <a:ext cx="1905000" cy="1905000"/>
-          </a:xfrm>
-          <a:prstGeom prst="rect">
-            <a:avLst/>
-          </a:prstGeom>
-          <a:noFill/>
-          <a:extLst>
-            <a:ext uri="{909E8E84-426E-40DD-AFC4-6F175D3DCCD1}">
-              <a14:hiddenFill xmlns:a14="http://schemas.microsoft.com/office/drawing/2010/main">
-                <a:solidFill>
-                  <a:srgbClr val="FFFFFF"/>
-                </a:solidFill>
-              </a14:hiddenFill>
-            </a:ext>
-          </a:extLst>
-        </p:spPr>
-      </p:pic>
-      <p:pic>
-        <p:nvPicPr>
-          <p:cNvPr id="8" name="Gráfico 7" descr="Descargar desde la nube">
-            <a:extLst>
-              <a:ext uri="{FF2B5EF4-FFF2-40B4-BE49-F238E27FC236}">
-                <a16:creationId xmlns:a16="http://schemas.microsoft.com/office/drawing/2014/main" id="{335AD474-FD9A-5163-CFA5-2E73E507BCF4}"/>
-              </a:ext>
-            </a:extLst>
-          </p:cNvPr>
-          <p:cNvPicPr>
-            <a:picLocks noChangeAspect="1"/>
-          </p:cNvPicPr>
-          <p:nvPr/>
-        </p:nvPicPr>
-        <p:blipFill>
-          <a:blip r:embed="rId11">
-            <a:extLst>
-              <a:ext uri="{96DAC541-7B7A-43D3-8B79-37D633B846F1}">
-                <asvg:svgBlip xmlns:asvg="http://schemas.microsoft.com/office/drawing/2016/SVG/main" r:embed="rId12"/>
-              </a:ext>
-            </a:extLst>
-          </a:blip>
-          <a:stretch>
-            <a:fillRect/>
-          </a:stretch>
-        </p:blipFill>
-        <p:spPr>
-          <a:xfrm>
-            <a:off x="5765800" y="2049777"/>
-            <a:ext cx="517061" cy="517061"/>
-          </a:xfrm>
-          <a:prstGeom prst="rect">
-            <a:avLst/>
-          </a:prstGeom>
-        </p:spPr>
-      </p:pic>
-      <p:pic>
-        <p:nvPicPr>
-          <p:cNvPr id="9" name="Gráfico 8" descr="Marca de verificación">
-            <a:extLst>
-              <a:ext uri="{FF2B5EF4-FFF2-40B4-BE49-F238E27FC236}">
-                <a16:creationId xmlns:a16="http://schemas.microsoft.com/office/drawing/2014/main" id="{E16C3B59-7D35-9BE9-46C8-9132E769C249}"/>
-              </a:ext>
-            </a:extLst>
-          </p:cNvPr>
-          <p:cNvPicPr>
-            <a:picLocks noChangeAspect="1"/>
-          </p:cNvPicPr>
-          <p:nvPr/>
-        </p:nvPicPr>
-        <p:blipFill>
-          <a:blip r:embed="rId13">
-            <a:extLst>
-              <a:ext uri="{96DAC541-7B7A-43D3-8B79-37D633B846F1}">
-                <asvg:svgBlip xmlns:asvg="http://schemas.microsoft.com/office/drawing/2016/SVG/main" r:embed="rId14"/>
-              </a:ext>
-            </a:extLst>
-          </a:blip>
-          <a:stretch>
-            <a:fillRect/>
-          </a:stretch>
-        </p:blipFill>
-        <p:spPr>
-          <a:xfrm>
-            <a:off x="6110474" y="3293585"/>
-            <a:ext cx="321053" cy="321053"/>
-          </a:xfrm>
-          <a:prstGeom prst="rect">
-            <a:avLst/>
-          </a:prstGeom>
-        </p:spPr>
-      </p:pic>
-      <p:pic>
-        <p:nvPicPr>
-          <p:cNvPr id="10" name="Gráfico 9" descr="Corazón con pulso">
-            <a:extLst>
-              <a:ext uri="{FF2B5EF4-FFF2-40B4-BE49-F238E27FC236}">
-                <a16:creationId xmlns:a16="http://schemas.microsoft.com/office/drawing/2014/main" id="{BE9F8D98-4ECE-79F1-9A3C-CC3CE07B9B8A}"/>
-              </a:ext>
-            </a:extLst>
-          </p:cNvPr>
-          <p:cNvPicPr>
-            <a:picLocks noChangeAspect="1"/>
-          </p:cNvPicPr>
-          <p:nvPr/>
-        </p:nvPicPr>
-        <p:blipFill>
-          <a:blip r:embed="rId15">
-            <a:extLst>
-              <a:ext uri="{96DAC541-7B7A-43D3-8B79-37D633B846F1}">
-                <asvg:svgBlip xmlns:asvg="http://schemas.microsoft.com/office/drawing/2016/SVG/main" r:embed="rId16"/>
-              </a:ext>
-            </a:extLst>
-          </a:blip>
-          <a:stretch>
-            <a:fillRect/>
-          </a:stretch>
-        </p:blipFill>
-        <p:spPr>
-          <a:xfrm>
-            <a:off x="5939806" y="4122439"/>
-            <a:ext cx="517061" cy="517061"/>
-          </a:xfrm>
-          <a:prstGeom prst="rect">
-            <a:avLst/>
-          </a:prstGeom>
-        </p:spPr>
-      </p:pic>
-    </p:spTree>
-    <p:extLst>
-      <p:ext uri="{BB962C8B-B14F-4D97-AF65-F5344CB8AC3E}">
-        <p14:creationId xmlns:p14="http://schemas.microsoft.com/office/powerpoint/2010/main" val="649002404"/>
-      </p:ext>
-    </p:extLst>
-  </p:cSld>
-  <p:clrMapOvr>
-    <a:masterClrMapping/>
-  </p:clrMapOvr>
-  <p:transition>
-    <p:fade/>
-  </p:transition>
-  <p:timing>
-    <p:tnLst>
-      <p:par>
-        <p:cTn id="1" dur="indefinite" restart="never" nodeType="tmRoot">
-          <p:childTnLst>
-            <p:seq concurrent="1" nextAc="seek">
-              <p:cTn id="2" dur="indefinite" nodeType="mainSeq">
-                <p:childTnLst>
-                  <p:par>
-                    <p:cTn id="3" fill="hold">
-                      <p:stCondLst>
-                        <p:cond delay="indefinite"/>
-                        <p:cond evt="onBegin" delay="0">
-                          <p:tn val="2"/>
-                        </p:cond>
-                      </p:stCondLst>
-                      <p:childTnLst>
-                        <p:par>
-                          <p:cTn id="4" fill="hold">
-                            <p:stCondLst>
-                              <p:cond delay="0"/>
-                            </p:stCondLst>
-                            <p:childTnLst>
-                              <p:par>
-                                <p:cTn id="5" presetID="42" presetClass="entr" presetSubtype="0" fill="hold" nodeType="withEffect">
-                                  <p:stCondLst>
-                                    <p:cond delay="0"/>
-                                  </p:stCondLst>
-                                  <p:childTnLst>
-                                    <p:set>
-                                      <p:cBhvr>
-                                        <p:cTn id="6" dur="1" fill="hold">
-                                          <p:stCondLst>
-                                            <p:cond delay="0"/>
-                                          </p:stCondLst>
-                                        </p:cTn>
-                                        <p:tgtEl>
-                                          <p:spTgt spid="5"/>
-                                        </p:tgtEl>
-                                        <p:attrNameLst>
-                                          <p:attrName>style.visibility</p:attrName>
-                                        </p:attrNameLst>
-                                      </p:cBhvr>
-                                      <p:to>
-                                        <p:strVal val="visible"/>
-                                      </p:to>
-                                    </p:set>
-                                    <p:animEffect transition="in" filter="fade">
-                                      <p:cBhvr>
-                                        <p:cTn id="7" dur="1000"/>
-                                        <p:tgtEl>
-                                          <p:spTgt spid="5"/>
-                                        </p:tgtEl>
-                                      </p:cBhvr>
-                                    </p:animEffect>
-                                    <p:anim calcmode="lin" valueType="num">
-                                      <p:cBhvr>
-                                        <p:cTn id="8" dur="1000" fill="hold"/>
-                                        <p:tgtEl>
-                                          <p:spTgt spid="5"/>
-                                        </p:tgtEl>
-                                        <p:attrNameLst>
-                                          <p:attrName>ppt_x</p:attrName>
-                                        </p:attrNameLst>
-                                      </p:cBhvr>
-                                      <p:tavLst>
-                                        <p:tav tm="0">
-                                          <p:val>
-                                            <p:strVal val="#ppt_x"/>
-                                          </p:val>
-                                        </p:tav>
-                                        <p:tav tm="100000">
-                                          <p:val>
-                                            <p:strVal val="#ppt_x"/>
-                                          </p:val>
-                                        </p:tav>
-                                      </p:tavLst>
-                                    </p:anim>
-                                    <p:anim calcmode="lin" valueType="num">
-                                      <p:cBhvr>
-                                        <p:cTn id="9" dur="1000" fill="hold"/>
-                                        <p:tgtEl>
-                                          <p:spTgt spid="5"/>
-                                        </p:tgtEl>
-                                        <p:attrNameLst>
-                                          <p:attrName>ppt_y</p:attrName>
-                                        </p:attrNameLst>
-                                      </p:cBhvr>
-                                      <p:tavLst>
-                                        <p:tav tm="0">
-                                          <p:val>
-                                            <p:strVal val="#ppt_y+.1"/>
-                                          </p:val>
-                                        </p:tav>
-                                        <p:tav tm="100000">
-                                          <p:val>
-                                            <p:strVal val="#ppt_y"/>
-                                          </p:val>
-                                        </p:tav>
-                                      </p:tavLst>
-                                    </p:anim>
-                                  </p:childTnLst>
-                                </p:cTn>
-                              </p:par>
-                              <p:par>
-                                <p:cTn id="10" presetID="42" presetClass="entr" presetSubtype="0" fill="hold" nodeType="withEffect">
-                                  <p:stCondLst>
-                                    <p:cond delay="0"/>
-                                  </p:stCondLst>
-                                  <p:childTnLst>
-                                    <p:set>
-                                      <p:cBhvr>
-                                        <p:cTn id="11" dur="1" fill="hold">
-                                          <p:stCondLst>
-                                            <p:cond delay="0"/>
-                                          </p:stCondLst>
-                                        </p:cTn>
-                                        <p:tgtEl>
-                                          <p:spTgt spid="6"/>
-                                        </p:tgtEl>
-                                        <p:attrNameLst>
-                                          <p:attrName>style.visibility</p:attrName>
-                                        </p:attrNameLst>
-                                      </p:cBhvr>
-                                      <p:to>
-                                        <p:strVal val="visible"/>
-                                      </p:to>
-                                    </p:set>
-                                    <p:animEffect transition="in" filter="fade">
-                                      <p:cBhvr>
-                                        <p:cTn id="12" dur="1000"/>
-                                        <p:tgtEl>
-                                          <p:spTgt spid="6"/>
-                                        </p:tgtEl>
-                                      </p:cBhvr>
-                                    </p:animEffect>
-                                    <p:anim calcmode="lin" valueType="num">
-                                      <p:cBhvr>
-                                        <p:cTn id="13" dur="1000" fill="hold"/>
-                                        <p:tgtEl>
-                                          <p:spTgt spid="6"/>
-                                        </p:tgtEl>
-                                        <p:attrNameLst>
-                                          <p:attrName>ppt_x</p:attrName>
-                                        </p:attrNameLst>
-                                      </p:cBhvr>
-                                      <p:tavLst>
-                                        <p:tav tm="0">
-                                          <p:val>
-                                            <p:strVal val="#ppt_x"/>
-                                          </p:val>
-                                        </p:tav>
-                                        <p:tav tm="100000">
-                                          <p:val>
-                                            <p:strVal val="#ppt_x"/>
-                                          </p:val>
-                                        </p:tav>
-                                      </p:tavLst>
-                                    </p:anim>
-                                    <p:anim calcmode="lin" valueType="num">
-                                      <p:cBhvr>
-                                        <p:cTn id="14" dur="1000" fill="hold"/>
-                                        <p:tgtEl>
-                                          <p:spTgt spid="6"/>
-                                        </p:tgtEl>
-                                        <p:attrNameLst>
-                                          <p:attrName>ppt_y</p:attrName>
-                                        </p:attrNameLst>
-                                      </p:cBhvr>
-                                      <p:tavLst>
-                                        <p:tav tm="0">
-                                          <p:val>
-                                            <p:strVal val="#ppt_y+.1"/>
-                                          </p:val>
-                                        </p:tav>
-                                        <p:tav tm="100000">
-                                          <p:val>
-                                            <p:strVal val="#ppt_y"/>
-                                          </p:val>
-                                        </p:tav>
-                                      </p:tavLst>
-                                    </p:anim>
-                                  </p:childTnLst>
-                                </p:cTn>
-                              </p:par>
-                              <p:par>
-                                <p:cTn id="15" presetID="42" presetClass="entr" presetSubtype="0" fill="hold" nodeType="withEffect">
-                                  <p:stCondLst>
-                                    <p:cond delay="0"/>
-                                  </p:stCondLst>
-                                  <p:childTnLst>
-                                    <p:set>
-                                      <p:cBhvr>
-                                        <p:cTn id="16" dur="1" fill="hold">
-                                          <p:stCondLst>
-                                            <p:cond delay="0"/>
-                                          </p:stCondLst>
-                                        </p:cTn>
-                                        <p:tgtEl>
-                                          <p:spTgt spid="8"/>
-                                        </p:tgtEl>
-                                        <p:attrNameLst>
-                                          <p:attrName>style.visibility</p:attrName>
-                                        </p:attrNameLst>
-                                      </p:cBhvr>
-                                      <p:to>
-                                        <p:strVal val="visible"/>
-                                      </p:to>
-                                    </p:set>
-                                    <p:animEffect transition="in" filter="fade">
-                                      <p:cBhvr>
-                                        <p:cTn id="17" dur="1000"/>
-                                        <p:tgtEl>
-                                          <p:spTgt spid="8"/>
-                                        </p:tgtEl>
-                                      </p:cBhvr>
-                                    </p:animEffect>
-                                    <p:anim calcmode="lin" valueType="num">
-                                      <p:cBhvr>
-                                        <p:cTn id="18" dur="1000" fill="hold"/>
-                                        <p:tgtEl>
-                                          <p:spTgt spid="8"/>
-                                        </p:tgtEl>
-                                        <p:attrNameLst>
-                                          <p:attrName>ppt_x</p:attrName>
-                                        </p:attrNameLst>
-                                      </p:cBhvr>
-                                      <p:tavLst>
-                                        <p:tav tm="0">
-                                          <p:val>
-                                            <p:strVal val="#ppt_x"/>
-                                          </p:val>
-                                        </p:tav>
-                                        <p:tav tm="100000">
-                                          <p:val>
-                                            <p:strVal val="#ppt_x"/>
-                                          </p:val>
-                                        </p:tav>
-                                      </p:tavLst>
-                                    </p:anim>
-                                    <p:anim calcmode="lin" valueType="num">
-                                      <p:cBhvr>
-                                        <p:cTn id="19" dur="1000" fill="hold"/>
-                                        <p:tgtEl>
-                                          <p:spTgt spid="8"/>
-                                        </p:tgtEl>
-                                        <p:attrNameLst>
-                                          <p:attrName>ppt_y</p:attrName>
-                                        </p:attrNameLst>
-                                      </p:cBhvr>
-                                      <p:tavLst>
-                                        <p:tav tm="0">
-                                          <p:val>
-                                            <p:strVal val="#ppt_y+.1"/>
-                                          </p:val>
-                                        </p:tav>
-                                        <p:tav tm="100000">
-                                          <p:val>
-                                            <p:strVal val="#ppt_y"/>
-                                          </p:val>
-                                        </p:tav>
-                                      </p:tavLst>
-                                    </p:anim>
-                                  </p:childTnLst>
-                                </p:cTn>
-                              </p:par>
-                              <p:par>
-                                <p:cTn id="20" presetID="42" presetClass="entr" presetSubtype="0" fill="hold" nodeType="withEffect">
-                                  <p:stCondLst>
-                                    <p:cond delay="0"/>
-                                  </p:stCondLst>
-                                  <p:childTnLst>
-                                    <p:set>
-                                      <p:cBhvr>
-                                        <p:cTn id="21" dur="1" fill="hold">
-                                          <p:stCondLst>
-                                            <p:cond delay="0"/>
-                                          </p:stCondLst>
-                                        </p:cTn>
-                                        <p:tgtEl>
-                                          <p:spTgt spid="9"/>
-                                        </p:tgtEl>
-                                        <p:attrNameLst>
-                                          <p:attrName>style.visibility</p:attrName>
-                                        </p:attrNameLst>
-                                      </p:cBhvr>
-                                      <p:to>
-                                        <p:strVal val="visible"/>
-                                      </p:to>
-                                    </p:set>
-                                    <p:animEffect transition="in" filter="fade">
-                                      <p:cBhvr>
-                                        <p:cTn id="22" dur="1000"/>
-                                        <p:tgtEl>
-                                          <p:spTgt spid="9"/>
-                                        </p:tgtEl>
-                                      </p:cBhvr>
-                                    </p:animEffect>
-                                    <p:anim calcmode="lin" valueType="num">
-                                      <p:cBhvr>
-                                        <p:cTn id="23" dur="1000" fill="hold"/>
-                                        <p:tgtEl>
-                                          <p:spTgt spid="9"/>
-                                        </p:tgtEl>
-                                        <p:attrNameLst>
-                                          <p:attrName>ppt_x</p:attrName>
-                                        </p:attrNameLst>
-                                      </p:cBhvr>
-                                      <p:tavLst>
-                                        <p:tav tm="0">
-                                          <p:val>
-                                            <p:strVal val="#ppt_x"/>
-                                          </p:val>
-                                        </p:tav>
-                                        <p:tav tm="100000">
-                                          <p:val>
-                                            <p:strVal val="#ppt_x"/>
-                                          </p:val>
-                                        </p:tav>
-                                      </p:tavLst>
-                                    </p:anim>
-                                    <p:anim calcmode="lin" valueType="num">
-                                      <p:cBhvr>
-                                        <p:cTn id="24" dur="1000" fill="hold"/>
-                                        <p:tgtEl>
-                                          <p:spTgt spid="9"/>
-                                        </p:tgtEl>
-                                        <p:attrNameLst>
-                                          <p:attrName>ppt_y</p:attrName>
-                                        </p:attrNameLst>
-                                      </p:cBhvr>
-                                      <p:tavLst>
-                                        <p:tav tm="0">
-                                          <p:val>
-                                            <p:strVal val="#ppt_y+.1"/>
-                                          </p:val>
-                                        </p:tav>
-                                        <p:tav tm="100000">
-                                          <p:val>
-                                            <p:strVal val="#ppt_y"/>
-                                          </p:val>
-                                        </p:tav>
-                                      </p:tavLst>
-                                    </p:anim>
-                                  </p:childTnLst>
-                                </p:cTn>
-                              </p:par>
-                              <p:par>
-                                <p:cTn id="25" presetID="42" presetClass="entr" presetSubtype="0" fill="hold" nodeType="withEffect">
-                                  <p:stCondLst>
-                                    <p:cond delay="0"/>
-                                  </p:stCondLst>
-                                  <p:childTnLst>
-                                    <p:set>
-                                      <p:cBhvr>
-                                        <p:cTn id="26" dur="1" fill="hold">
-                                          <p:stCondLst>
-                                            <p:cond delay="0"/>
-                                          </p:stCondLst>
-                                        </p:cTn>
-                                        <p:tgtEl>
-                                          <p:spTgt spid="10"/>
-                                        </p:tgtEl>
-                                        <p:attrNameLst>
-                                          <p:attrName>style.visibility</p:attrName>
-                                        </p:attrNameLst>
-                                      </p:cBhvr>
-                                      <p:to>
-                                        <p:strVal val="visible"/>
-                                      </p:to>
-                                    </p:set>
-                                    <p:animEffect transition="in" filter="fade">
-                                      <p:cBhvr>
-                                        <p:cTn id="27" dur="1000"/>
-                                        <p:tgtEl>
-                                          <p:spTgt spid="10"/>
-                                        </p:tgtEl>
-                                      </p:cBhvr>
-                                    </p:animEffect>
-                                    <p:anim calcmode="lin" valueType="num">
-                                      <p:cBhvr>
-                                        <p:cTn id="28" dur="1000" fill="hold"/>
-                                        <p:tgtEl>
-                                          <p:spTgt spid="10"/>
-                                        </p:tgtEl>
-                                        <p:attrNameLst>
-                                          <p:attrName>ppt_x</p:attrName>
-                                        </p:attrNameLst>
-                                      </p:cBhvr>
-                                      <p:tavLst>
-                                        <p:tav tm="0">
-                                          <p:val>
-                                            <p:strVal val="#ppt_x"/>
-                                          </p:val>
-                                        </p:tav>
-                                        <p:tav tm="100000">
-                                          <p:val>
-                                            <p:strVal val="#ppt_x"/>
-                                          </p:val>
-                                        </p:tav>
-                                      </p:tavLst>
-                                    </p:anim>
-                                    <p:anim calcmode="lin" valueType="num">
-                                      <p:cBhvr>
-                                        <p:cTn id="29" dur="1000" fill="hold"/>
-                                        <p:tgtEl>
-                                          <p:spTgt spid="10"/>
-                                        </p:tgtEl>
-                                        <p:attrNameLst>
-                                          <p:attrName>ppt_y</p:attrName>
-                                        </p:attrNameLst>
-                                      </p:cBhvr>
-                                      <p:tavLst>
-                                        <p:tav tm="0">
-                                          <p:val>
-                                            <p:strVal val="#ppt_y+.1"/>
-                                          </p:val>
-                                        </p:tav>
-                                        <p:tav tm="100000">
-                                          <p:val>
-                                            <p:strVal val="#ppt_y"/>
-                                          </p:val>
-                                        </p:tav>
-                                      </p:tavLst>
-                                    </p:anim>
-                                  </p:childTnLst>
-                                </p:cTn>
-                              </p:par>
-                            </p:childTnLst>
-                          </p:cTn>
-                        </p:par>
-                      </p:childTnLst>
-                    </p:cTn>
-                  </p:par>
-                </p:childTnLst>
-              </p:cTn>
-              <p:prevCondLst>
-                <p:cond evt="onPrev" delay="0">
-                  <p:tgtEl>
-                    <p:sldTgt/>
-                  </p:tgtEl>
-                </p:cond>
-              </p:prevCondLst>
-              <p:nextCondLst>
-                <p:cond evt="onNext" delay="0">
-                  <p:tgtEl>
-                    <p:sldTgt/>
-                  </p:tgtEl>
-                </p:cond>
-              </p:nextCondLst>
-            </p:seq>
-          </p:childTnLst>
-        </p:cTn>
-      </p:par>
-    </p:tnLst>
-  </p:timing>
-</p:sld>
-</file>
-
 <file path=ppt/tags/tag1.xml><?xml version="1.0" encoding="utf-8"?>
 <p:tagLst xmlns:a="http://schemas.openxmlformats.org/drawingml/2006/main" xmlns:r="http://schemas.openxmlformats.org/officeDocument/2006/relationships" xmlns:p="http://schemas.openxmlformats.org/presentationml/2006/main">
   <p:tag name="THINKCELLSHAPEDONOTDELETE" val="thinkcellActiveDocDoNotDelete"/>
@@ -19360,12 +18096,6 @@
 </file>
 
 <file path=ppt/tags/tag6.xml><?xml version="1.0" encoding="utf-8"?>
-<p:tagLst xmlns:a="http://schemas.openxmlformats.org/drawingml/2006/main" xmlns:r="http://schemas.openxmlformats.org/officeDocument/2006/relationships" xmlns:p="http://schemas.openxmlformats.org/presentationml/2006/main">
-  <p:tag name="THINKCELLSHAPEDONOTDELETE" val="thinkcellActiveDocDoNotDelete"/>
-</p:tagLst>
-</file>
-
-<file path=ppt/tags/tag7.xml><?xml version="1.0" encoding="utf-8"?>
 <p:tagLst xmlns:a="http://schemas.openxmlformats.org/drawingml/2006/main" xmlns:r="http://schemas.openxmlformats.org/officeDocument/2006/relationships" xmlns:p="http://schemas.openxmlformats.org/presentationml/2006/main">
   <p:tag name="THINKCELLSHAPEDONOTDELETE" val="thinkcellActiveDocDoNotDelete"/>
 </p:tagLst>
